--- a/건축설계2/9주차 (금) - 중평/발표용 PPT.pptx
+++ b/건축설계2/9주차 (금) - 중평/발표용 PPT.pptx
@@ -2,7 +2,7 @@
 <file path=ppt/presentation.xml><?xml version="1.0" encoding="utf-8"?>
 <p:presentation xmlns:r="http://schemas.openxmlformats.org/officeDocument/2006/relationships" xmlns:c="http://schemas.openxmlformats.org/drawingml/2006/chart" xmlns:a="http://schemas.openxmlformats.org/drawingml/2006/main" xmlns:dgm="http://schemas.openxmlformats.org/drawingml/2006/diagram" xmlns:dsp="http://schemas.microsoft.com/office/drawing/2008/diagram" xmlns:p="http://schemas.openxmlformats.org/presentationml/2006/main">
   <p:sldMasterIdLst>
-    <p:sldMasterId id="2147483745" r:id="rId1"/>
+    <p:sldMasterId id="2147483747" r:id="rId1"/>
   </p:sldMasterIdLst>
   <p:notesMasterIdLst>
     <p:notesMasterId r:id="rId2"/>
@@ -13,8 +13,9 @@
     <p:sldId id="258" r:id="rId5"/>
     <p:sldId id="259" r:id="rId6"/>
     <p:sldId id="260" r:id="rId7"/>
-    <p:sldId id="261" r:id="rId8"/>
-    <p:sldId id="262" r:id="rId9"/>
+    <p:sldId id="263" r:id="rId8"/>
+    <p:sldId id="261" r:id="rId9"/>
+    <p:sldId id="262" r:id="rId10"/>
   </p:sldIdLst>
   <p:sldSz cx="12192000" cy="6858000"/>
   <p:notesSz cx="6858000" cy="9144000"/>
@@ -813,6 +814,108 @@
 </p:notes>
 </file>
 
+<file path=ppt/notesSlides/notesSlide4.xml><?xml version="1.0" encoding="utf-8"?>
+<p:notes xmlns:r="http://schemas.openxmlformats.org/officeDocument/2006/relationships" xmlns:c="http://schemas.openxmlformats.org/drawingml/2006/chart" xmlns:a="http://schemas.openxmlformats.org/drawingml/2006/main" xmlns:dgm="http://schemas.openxmlformats.org/drawingml/2006/diagram" xmlns:dsp="http://schemas.microsoft.com/office/drawing/2008/diagram" xmlns:p="http://schemas.openxmlformats.org/presentationml/2006/main">
+  <p:cSld>
+    <p:spTree>
+      <p:nvGrpSpPr>
+        <p:cNvPr id="1" name=""/>
+        <p:cNvGrpSpPr/>
+        <p:nvPr/>
+      </p:nvGrpSpPr>
+      <p:grpSpPr>
+        <a:xfrm>
+          <a:off x="0" y="0"/>
+          <a:ext cx="0" cy="0"/>
+          <a:chOff x="0" y="0"/>
+          <a:chExt cx="0" cy="0"/>
+        </a:xfrm>
+      </p:grpSpPr>
+      <p:sp>
+        <p:nvSpPr>
+          <p:cNvPr id="2" name="슬라이드 이미지 개체 틀 3"/>
+          <p:cNvSpPr>
+            <a:spLocks noGrp="1" noRot="1" noChangeAspect="1" noTextEdit="1"/>
+          </p:cNvSpPr>
+          <p:nvPr>
+            <p:ph type="sldImg" idx="2"/>
+          </p:nvPr>
+        </p:nvSpPr>
+        <p:spPr/>
+        <p:txBody>
+          <a:bodyPr/>
+          <a:lstStyle/>
+          <a:p>
+            <a:pPr>
+              <a:defRPr/>
+            </a:pPr>
+            <a:endParaRPr lang="ko-KR" altLang="en-US"/>
+          </a:p>
+        </p:txBody>
+      </p:sp>
+      <p:sp>
+        <p:nvSpPr>
+          <p:cNvPr id="3" name="슬라이드 노트 개체 틀 4"/>
+          <p:cNvSpPr>
+            <a:spLocks noGrp="1"/>
+          </p:cNvSpPr>
+          <p:nvPr>
+            <p:ph type="body" sz="quarter" idx="3"/>
+          </p:nvPr>
+        </p:nvSpPr>
+        <p:spPr/>
+        <p:txBody>
+          <a:bodyPr/>
+          <a:lstStyle/>
+          <a:p>
+            <a:pPr>
+              <a:defRPr/>
+            </a:pPr>
+            <a:r>
+              <a:rPr lang="ko-KR" altLang="en-US"/>
+              <a:t/>
+            </a:r>
+            <a:endParaRPr lang="ko-KR" altLang="en-US"/>
+          </a:p>
+        </p:txBody>
+      </p:sp>
+      <p:sp>
+        <p:nvSpPr>
+          <p:cNvPr id="4" name="슬라이드 번호 개체 틀 6"/>
+          <p:cNvSpPr>
+            <a:spLocks noGrp="1"/>
+          </p:cNvSpPr>
+          <p:nvPr>
+            <p:ph type="sldNum" sz="quarter" idx="5"/>
+          </p:nvPr>
+        </p:nvSpPr>
+        <p:spPr/>
+        <p:txBody>
+          <a:bodyPr/>
+          <a:lstStyle/>
+          <a:p>
+            <a:pPr lvl="0">
+              <a:defRPr/>
+            </a:pPr>
+            <a:fld id="{09F4262C-968C-4EE9-8164-CE16364706B3}" type="slidenum">
+              <a:rPr lang="en-US" altLang="en-US"/>
+              <a:pPr lvl="0">
+                <a:defRPr/>
+              </a:pPr>
+              <a:t>7</a:t>
+            </a:fld>
+            <a:endParaRPr lang="en-US" altLang="en-US"/>
+          </a:p>
+        </p:txBody>
+      </p:sp>
+    </p:spTree>
+  </p:cSld>
+  <p:clrMapOvr>
+    <a:masterClrMapping/>
+  </p:clrMapOvr>
+</p:notes>
+</file>
+
 <file path=ppt/slideLayouts/slideLayout1.xml><?xml version="1.0" encoding="utf-8"?>
 <p:sldLayout xmlns:r="http://schemas.openxmlformats.org/officeDocument/2006/relationships" xmlns:c="http://schemas.openxmlformats.org/drawingml/2006/chart" xmlns:a="http://schemas.openxmlformats.org/drawingml/2006/main" xmlns:dgm="http://schemas.openxmlformats.org/drawingml/2006/diagram" xmlns:dsp="http://schemas.microsoft.com/office/drawing/2008/diagram" xmlns:p="http://schemas.openxmlformats.org/presentationml/2006/main" showMasterPhAnim="1" type="title" preserve="1">
   <p:cSld name="제목 슬라이드">
@@ -1546,6 +1649,146 @@
   <p:clrMapOvr>
     <a:masterClrMapping/>
   </p:clrMapOvr>
+</p:sldLayout>
+</file>
+
+<file path=ppt/slideLayouts/slideLayout13.xml><?xml version="1.0" encoding="utf-8"?>
+<p:sldLayout xmlns:r="http://schemas.openxmlformats.org/officeDocument/2006/relationships" xmlns:c="http://schemas.openxmlformats.org/drawingml/2006/chart" xmlns:a="http://schemas.openxmlformats.org/drawingml/2006/main" xmlns:dgm="http://schemas.openxmlformats.org/drawingml/2006/diagram" xmlns:dsp="http://schemas.microsoft.com/office/drawing/2008/diagram" xmlns:p="http://schemas.openxmlformats.org/presentationml/2006/main" showMasterPhAnim="1" matchingName="Blank" type="obj" preserve="1">
+  <p:cSld name="Blank">
+    <p:spTree>
+      <p:nvGrpSpPr>
+        <p:cNvPr id="1" name=""/>
+        <p:cNvGrpSpPr/>
+        <p:nvPr/>
+      </p:nvGrpSpPr>
+      <p:grpSpPr>
+        <a:xfrm>
+          <a:off x="0" y="0"/>
+          <a:ext cx="0" cy="0"/>
+          <a:chOff x="0" y="0"/>
+          <a:chExt cx="0" cy="0"/>
+        </a:xfrm>
+      </p:grpSpPr>
+      <p:sp>
+        <p:nvSpPr>
+          <p:cNvPr id="2" name="Holder 2"/>
+          <p:cNvSpPr>
+            <a:spLocks noGrp="1"/>
+          </p:cNvSpPr>
+          <p:nvPr>
+            <p:ph type="ftr" sz="quarter" idx="5"/>
+          </p:nvPr>
+        </p:nvSpPr>
+        <p:spPr/>
+        <p:txBody>
+          <a:bodyPr lIns="0" tIns="0" rIns="0" bIns="0"/>
+          <a:lstStyle>
+            <a:lvl1pPr algn="ctr">
+              <a:defRPr>
+                <a:solidFill>
+                  <a:schemeClr val="tx1">
+                    <a:tint val="75000"/>
+                  </a:schemeClr>
+                </a:solidFill>
+              </a:defRPr>
+            </a:lvl1pPr>
+          </a:lstStyle>
+          <a:p>
+            <a:pPr>
+              <a:defRPr/>
+            </a:pPr>
+            <a:r>
+              <a:rPr lang="ko-KR" altLang="en-US"/>
+              <a:t/>
+            </a:r>
+            <a:endParaRPr lang="ko-KR" altLang="en-US"/>
+          </a:p>
+        </p:txBody>
+      </p:sp>
+      <p:sp>
+        <p:nvSpPr>
+          <p:cNvPr id="3" name="Holder 3"/>
+          <p:cNvSpPr>
+            <a:spLocks noGrp="1"/>
+          </p:cNvSpPr>
+          <p:nvPr>
+            <p:ph type="dt" sz="half" idx="6"/>
+          </p:nvPr>
+        </p:nvSpPr>
+        <p:spPr/>
+        <p:txBody>
+          <a:bodyPr lIns="0" tIns="0" rIns="0" bIns="0"/>
+          <a:lstStyle>
+            <a:lvl1pPr algn="l">
+              <a:defRPr>
+                <a:solidFill>
+                  <a:schemeClr val="tx1">
+                    <a:tint val="75000"/>
+                  </a:schemeClr>
+                </a:solidFill>
+              </a:defRPr>
+            </a:lvl1pPr>
+          </a:lstStyle>
+          <a:p>
+            <a:pPr>
+              <a:defRPr/>
+            </a:pPr>
+            <a:fld id="{1D8BD707-D9CF-40AE-B4C6-C98DA3205C09}" type="datetime1">
+              <a:rPr lang="en-US"/>
+              <a:pPr>
+                <a:defRPr/>
+              </a:pPr>
+              <a:t>10/30/2023</a:t>
+            </a:fld>
+            <a:endParaRPr lang="en-US"/>
+          </a:p>
+        </p:txBody>
+      </p:sp>
+      <p:sp>
+        <p:nvSpPr>
+          <p:cNvPr id="4" name="Holder 4"/>
+          <p:cNvSpPr>
+            <a:spLocks noGrp="1"/>
+          </p:cNvSpPr>
+          <p:nvPr>
+            <p:ph type="sldNum" sz="quarter" idx="7"/>
+          </p:nvPr>
+        </p:nvSpPr>
+        <p:spPr/>
+        <p:txBody>
+          <a:bodyPr lIns="0" tIns="0" rIns="0" bIns="0"/>
+          <a:lstStyle>
+            <a:lvl1pPr algn="r">
+              <a:defRPr>
+                <a:solidFill>
+                  <a:schemeClr val="tx1">
+                    <a:tint val="75000"/>
+                  </a:schemeClr>
+                </a:solidFill>
+              </a:defRPr>
+            </a:lvl1pPr>
+          </a:lstStyle>
+          <a:p>
+            <a:pPr>
+              <a:defRPr/>
+            </a:pPr>
+            <a:fld id="{B6F15528-21DE-4FAA-801E-634DDDAF4B2B}" type="slidenum">
+              <a:rPr lang="ko-KR" altLang="en-US"/>
+              <a:pPr>
+                <a:defRPr/>
+              </a:pPr>
+              <a:t>#</a:t>
+            </a:fld>
+            <a:endParaRPr lang="ko-KR" altLang="en-US"/>
+          </a:p>
+        </p:txBody>
+      </p:sp>
+    </p:spTree>
+  </p:cSld>
+  <p:clrMapOvr>
+    <a:masterClrMapping/>
+  </p:clrMapOvr>
+  <p:transition xmlns:mc="http://schemas.openxmlformats.org/markup-compatibility/2006" xmlns:hp="http://schemas.haansoft.com/office/presentation/8.0" mc:Ignorable="hp" hp:hslDur="500"/>
 </p:sldLayout>
 </file>
 
@@ -3311,7 +3554,7 @@
 
 <file path=ppt/slideMasters/slideMaster1.xml><?xml version="1.0" encoding="utf-8"?>
 <p:sldMaster xmlns:r="http://schemas.openxmlformats.org/officeDocument/2006/relationships" xmlns:c="http://schemas.openxmlformats.org/drawingml/2006/chart" xmlns:a="http://schemas.openxmlformats.org/drawingml/2006/main" xmlns:dgm="http://schemas.openxmlformats.org/drawingml/2006/diagram" xmlns:dsp="http://schemas.microsoft.com/office/drawing/2008/diagram" xmlns:p="http://schemas.openxmlformats.org/presentationml/2006/main">
-  <p:cSld>
+  <p:cSld name="한컴오피스">
     <p:bg>
       <p:bgRef idx="1001">
         <a:schemeClr val="bg1"/>
@@ -3351,13 +3594,16 @@
           </a:prstGeom>
         </p:spPr>
         <p:txBody>
-          <a:bodyPr vert="horz" lIns="91440" tIns="45720" rIns="91440" bIns="45720" rtlCol="0" anchor="ctr">
+          <a:bodyPr vert="horz" lIns="91440" tIns="45720" rIns="91440" bIns="45720" anchor="ctr">
             <a:normAutofit/>
           </a:bodyPr>
           <a:lstStyle/>
           <a:p>
-            <a:r>
-              <a:rPr lang="ko-KR" altLang="en-US" smtClean="0"/>
+            <a:pPr lvl="0">
+              <a:defRPr/>
+            </a:pPr>
+            <a:r>
+              <a:rPr lang="ko-KR" altLang="en-US"/>
               <a:t>마스터 제목 스타일 편집</a:t>
             </a:r>
             <a:endParaRPr lang="ko-KR" altLang="en-US"/>
@@ -3384,42 +3630,56 @@
           </a:prstGeom>
         </p:spPr>
         <p:txBody>
-          <a:bodyPr vert="horz" lIns="91440" tIns="45720" rIns="91440" bIns="45720" rtlCol="0">
+          <a:bodyPr vert="horz" lIns="91440" tIns="45720" rIns="91440" bIns="45720">
             <a:normAutofit/>
           </a:bodyPr>
           <a:lstStyle/>
           <a:p>
-            <a:pPr lvl="0"/>
-            <a:r>
-              <a:rPr lang="ko-KR" altLang="en-US" dirty="0" smtClean="0"/>
+            <a:pPr lvl="0">
+              <a:defRPr/>
+            </a:pPr>
+            <a:r>
+              <a:rPr lang="ko-KR" altLang="en-US"/>
               <a:t>마스터 텍스트 스타일을 편집합니다</a:t>
             </a:r>
-          </a:p>
-          <a:p>
-            <a:pPr lvl="1"/>
-            <a:r>
-              <a:rPr lang="ko-KR" altLang="en-US" dirty="0" smtClean="0"/>
+            <a:endParaRPr lang="ko-KR" altLang="en-US"/>
+          </a:p>
+          <a:p>
+            <a:pPr lvl="1">
+              <a:defRPr/>
+            </a:pPr>
+            <a:r>
+              <a:rPr lang="ko-KR" altLang="en-US"/>
               <a:t>둘째 수준</a:t>
             </a:r>
-          </a:p>
-          <a:p>
-            <a:pPr lvl="2"/>
-            <a:r>
-              <a:rPr lang="ko-KR" altLang="en-US" dirty="0" smtClean="0"/>
+            <a:endParaRPr lang="ko-KR" altLang="en-US"/>
+          </a:p>
+          <a:p>
+            <a:pPr lvl="2">
+              <a:defRPr/>
+            </a:pPr>
+            <a:r>
+              <a:rPr lang="ko-KR" altLang="en-US"/>
               <a:t>셋째 수준</a:t>
             </a:r>
-          </a:p>
-          <a:p>
-            <a:pPr lvl="3"/>
-            <a:r>
-              <a:rPr lang="ko-KR" altLang="en-US" dirty="0" smtClean="0"/>
+            <a:endParaRPr lang="ko-KR" altLang="en-US"/>
+          </a:p>
+          <a:p>
+            <a:pPr lvl="3">
+              <a:defRPr/>
+            </a:pPr>
+            <a:r>
+              <a:rPr lang="ko-KR" altLang="en-US"/>
               <a:t>넷째 수준</a:t>
             </a:r>
-          </a:p>
-          <a:p>
-            <a:pPr lvl="4"/>
-            <a:r>
-              <a:rPr lang="ko-KR" altLang="en-US" dirty="0" smtClean="0"/>
+            <a:endParaRPr lang="ko-KR" altLang="en-US"/>
+          </a:p>
+          <a:p>
+            <a:pPr lvl="4">
+              <a:defRPr/>
+            </a:pPr>
+            <a:r>
+              <a:rPr lang="ko-KR" altLang="en-US"/>
               <a:t>다섯째 수준</a:t>
             </a:r>
             <a:endParaRPr lang="ko-KR" altLang="en-US"/>
@@ -3446,7 +3706,7 @@
           </a:prstGeom>
         </p:spPr>
         <p:txBody>
-          <a:bodyPr vert="horz" lIns="91440" tIns="45720" rIns="91440" bIns="45720" rtlCol="0" anchor="ctr"/>
+          <a:bodyPr vert="horz" lIns="91440" tIns="45720" rIns="91440" bIns="45720" anchor="ctr"/>
           <a:lstStyle>
             <a:lvl1pPr algn="l">
               <a:defRPr sz="1200">
@@ -3459,10 +3719,15 @@
             </a:lvl1pPr>
           </a:lstStyle>
           <a:p>
+            <a:pPr lvl="0">
+              <a:defRPr/>
+            </a:pPr>
             <a:fld id="{D422D86A-5F52-4165-8473-F1B836277586}" type="datetime1">
-              <a:rPr lang="ko-KR" altLang="en-US" smtClean="0"/>
-              <a:pPr/>
-              <a:t>2009-12-07</a:t>
+              <a:rPr lang="ko-KR" altLang="en-US"/>
+              <a:pPr lvl="0">
+                <a:defRPr/>
+              </a:pPr>
+              <a:t>2023-10-30</a:t>
             </a:fld>
             <a:endParaRPr lang="ko-KR" altLang="en-US"/>
           </a:p>
@@ -3488,7 +3753,7 @@
           </a:prstGeom>
         </p:spPr>
         <p:txBody>
-          <a:bodyPr vert="horz" lIns="91440" tIns="45720" rIns="91440" bIns="45720" rtlCol="0" anchor="ctr"/>
+          <a:bodyPr vert="horz" lIns="91440" tIns="45720" rIns="91440" bIns="45720" anchor="ctr"/>
           <a:lstStyle>
             <a:lvl1pPr algn="ctr">
               <a:defRPr sz="1200">
@@ -3501,6 +3766,13 @@
             </a:lvl1pPr>
           </a:lstStyle>
           <a:p>
+            <a:pPr lvl="0">
+              <a:defRPr/>
+            </a:pPr>
+            <a:r>
+              <a:rPr lang="ko-KR" altLang="en-US"/>
+              <a:t/>
+            </a:r>
             <a:endParaRPr lang="ko-KR" altLang="en-US"/>
           </a:p>
         </p:txBody>
@@ -3525,7 +3797,7 @@
           </a:prstGeom>
         </p:spPr>
         <p:txBody>
-          <a:bodyPr vert="horz" lIns="91440" tIns="45720" rIns="91440" bIns="45720" rtlCol="0" anchor="ctr"/>
+          <a:bodyPr vert="horz" lIns="91440" tIns="45720" rIns="91440" bIns="45720" anchor="ctr"/>
           <a:lstStyle>
             <a:lvl1pPr algn="r">
               <a:defRPr sz="1200">
@@ -3538,9 +3810,14 @@
             </a:lvl1pPr>
           </a:lstStyle>
           <a:p>
+            <a:pPr lvl="0">
+              <a:defRPr/>
+            </a:pPr>
             <a:fld id="{AD22CD3B-FDDF-4998-970C-76E6E0BEC65F}" type="slidenum">
-              <a:rPr lang="ko-KR" altLang="en-US" smtClean="0"/>
-              <a:pPr/>
+              <a:rPr lang="ko-KR" altLang="en-US"/>
+              <a:pPr lvl="0">
+                <a:defRPr/>
+              </a:pPr>
               <a:t>‹#›</a:t>
             </a:fld>
             <a:endParaRPr lang="ko-KR" altLang="en-US"/>
@@ -3551,19 +3828,21 @@
   </p:cSld>
   <p:clrMap bg1="lt1" tx1="dk1" bg2="lt2" tx2="dk2" accent1="accent1" accent2="accent2" accent3="accent3" accent4="accent4" accent5="accent5" accent6="accent6" hlink="hlink" folHlink="folHlink"/>
   <p:sldLayoutIdLst>
-    <p:sldLayoutId id="2147483706" r:id="rId1"/>
-    <p:sldLayoutId id="2147483707" r:id="rId2"/>
-    <p:sldLayoutId id="2147483708" r:id="rId3"/>
-    <p:sldLayoutId id="2147483709" r:id="rId4"/>
-    <p:sldLayoutId id="2147483710" r:id="rId5"/>
-    <p:sldLayoutId id="2147483711" r:id="rId6"/>
-    <p:sldLayoutId id="2147483712" r:id="rId7"/>
-    <p:sldLayoutId id="2147483713" r:id="rId8"/>
-    <p:sldLayoutId id="2147483714" r:id="rId9"/>
-    <p:sldLayoutId id="2147483715" r:id="rId10"/>
-    <p:sldLayoutId id="2147483716" r:id="rId11"/>
-    <p:sldLayoutId id="2147483717" r:id="rId12"/>
+    <p:sldLayoutId id="2147483734" r:id="rId1"/>
+    <p:sldLayoutId id="2147483735" r:id="rId2"/>
+    <p:sldLayoutId id="2147483736" r:id="rId3"/>
+    <p:sldLayoutId id="2147483737" r:id="rId4"/>
+    <p:sldLayoutId id="2147483738" r:id="rId5"/>
+    <p:sldLayoutId id="2147483739" r:id="rId6"/>
+    <p:sldLayoutId id="2147483740" r:id="rId7"/>
+    <p:sldLayoutId id="2147483741" r:id="rId8"/>
+    <p:sldLayoutId id="2147483742" r:id="rId9"/>
+    <p:sldLayoutId id="2147483743" r:id="rId10"/>
+    <p:sldLayoutId id="2147483744" r:id="rId11"/>
+    <p:sldLayoutId id="2147483745" r:id="rId12"/>
+    <p:sldLayoutId id="2147483746" r:id="rId13"/>
   </p:sldLayoutIdLst>
+  <p:transition xmlns:mc="http://schemas.openxmlformats.org/markup-compatibility/2006" xmlns:hp="http://schemas.haansoft.com/office/presentation/8.0" mc:Ignorable="hp" hp:hslDur="500"/>
   <p:hf sldNum="0" hdr="0" ftr="0" dt="0"/>
   <p:txStyles>
     <p:titleStyle>
@@ -3643,7 +3922,7 @@
         <a:spcBef>
           <a:spcPct val="20000"/>
         </a:spcBef>
-        <a:buFont typeface="Arial" pitchFamily="34" charset="0"/>
+        <a:buFont typeface="Arial"/>
         <a:buChar char="•"/>
         <a:defRPr sz="3200" kern="1200">
           <a:solidFill>
@@ -3658,7 +3937,7 @@
         <a:spcBef>
           <a:spcPct val="20000"/>
         </a:spcBef>
-        <a:buFont typeface="Arial" pitchFamily="34" charset="0"/>
+        <a:buFont typeface="Arial"/>
         <a:buChar char="–"/>
         <a:defRPr sz="2800" kern="1200">
           <a:solidFill>
@@ -3673,7 +3952,7 @@
         <a:spcBef>
           <a:spcPct val="20000"/>
         </a:spcBef>
-        <a:buFont typeface="Arial" pitchFamily="34" charset="0"/>
+        <a:buFont typeface="Arial"/>
         <a:buChar char="•"/>
         <a:defRPr sz="2400" kern="1200">
           <a:solidFill>
@@ -3688,7 +3967,7 @@
         <a:spcBef>
           <a:spcPct val="20000"/>
         </a:spcBef>
-        <a:buFont typeface="Arial" pitchFamily="34" charset="0"/>
+        <a:buFont typeface="Arial"/>
         <a:buChar char="–"/>
         <a:defRPr sz="2000" kern="1200">
           <a:solidFill>
@@ -3703,7 +3982,7 @@
         <a:spcBef>
           <a:spcPct val="20000"/>
         </a:spcBef>
-        <a:buFont typeface="Arial" pitchFamily="34" charset="0"/>
+        <a:buFont typeface="Arial"/>
         <a:buChar char="»"/>
         <a:defRPr sz="2000" kern="1200">
           <a:solidFill>
@@ -3718,7 +3997,7 @@
         <a:spcBef>
           <a:spcPct val="20000"/>
         </a:spcBef>
-        <a:buFont typeface="Arial" pitchFamily="34" charset="0"/>
+        <a:buFont typeface="Arial"/>
         <a:buChar char="•"/>
         <a:defRPr sz="2000" kern="1200">
           <a:solidFill>
@@ -3733,7 +4012,7 @@
         <a:spcBef>
           <a:spcPct val="20000"/>
         </a:spcBef>
-        <a:buFont typeface="Arial" pitchFamily="34" charset="0"/>
+        <a:buFont typeface="Arial"/>
         <a:buChar char="•"/>
         <a:defRPr sz="2000" kern="1200">
           <a:solidFill>
@@ -3748,7 +4027,7 @@
         <a:spcBef>
           <a:spcPct val="20000"/>
         </a:spcBef>
-        <a:buFont typeface="Arial" pitchFamily="34" charset="0"/>
+        <a:buFont typeface="Arial"/>
         <a:buChar char="•"/>
         <a:defRPr sz="2000" kern="1200">
           <a:solidFill>
@@ -3763,7 +4042,7 @@
         <a:spcBef>
           <a:spcPct val="20000"/>
         </a:spcBef>
-        <a:buFont typeface="Arial" pitchFamily="34" charset="0"/>
+        <a:buFont typeface="Arial"/>
         <a:buChar char="•"/>
         <a:defRPr sz="2000" kern="1200">
           <a:solidFill>
@@ -5223,7 +5502,7 @@
         </p:blipFill>
         <p:spPr>
           <a:xfrm>
-            <a:off x="6867889" y="1837297"/>
+            <a:off x="7006266" y="1837297"/>
             <a:ext cx="3026433" cy="3183406"/>
           </a:xfrm>
           <a:prstGeom prst="rect">
@@ -5247,7 +5526,7 @@
         </p:blipFill>
         <p:spPr>
           <a:xfrm>
-            <a:off x="2766053" y="1837297"/>
+            <a:off x="1978573" y="1837297"/>
             <a:ext cx="2939778" cy="3183406"/>
           </a:xfrm>
           <a:prstGeom prst="rect">
@@ -5255,6 +5534,56 @@
           </a:prstGeom>
         </p:spPr>
       </p:pic>
+      <p:sp>
+        <p:nvSpPr>
+          <p:cNvPr id="33" name=""/>
+          <p:cNvSpPr/>
+          <p:nvPr/>
+        </p:nvSpPr>
+        <p:spPr>
+          <a:xfrm rot="5400000">
+            <a:off x="5454293" y="3214352"/>
+            <a:ext cx="854119" cy="429295"/>
+          </a:xfrm>
+          <a:prstGeom prst="triangle">
+            <a:avLst>
+              <a:gd name="adj" fmla="val 50000"/>
+            </a:avLst>
+          </a:prstGeom>
+          <a:solidFill>
+            <a:srgbClr val="404040"/>
+          </a:solidFill>
+          <a:ln>
+            <a:noFill/>
+          </a:ln>
+        </p:spPr>
+        <p:style>
+          <a:lnRef idx="2">
+            <a:schemeClr val="accent1">
+              <a:shade val="20000"/>
+            </a:schemeClr>
+          </a:lnRef>
+          <a:fillRef idx="1">
+            <a:schemeClr val="accent1"/>
+          </a:fillRef>
+          <a:effectRef idx="0">
+            <a:schemeClr val="accent1"/>
+          </a:effectRef>
+          <a:fontRef idx="minor">
+            <a:schemeClr val="lt1"/>
+          </a:fontRef>
+        </p:style>
+        <p:txBody>
+          <a:bodyPr anchor="ctr"/>
+          <a:lstStyle/>
+          <a:p>
+            <a:pPr algn="ctr">
+              <a:defRPr/>
+            </a:pPr>
+            <a:endParaRPr lang="ko-KR" altLang="en-US"/>
+          </a:p>
+        </p:txBody>
+      </p:sp>
     </p:spTree>
   </p:cSld>
   <p:clrMapOvr>
@@ -5272,6 +5601,39 @@
 </file>
 
 <file path=ppt/slides/slide6.xml><?xml version="1.0" encoding="utf-8"?>
+<p:sld xmlns:r="http://schemas.openxmlformats.org/officeDocument/2006/relationships" xmlns:c="http://schemas.openxmlformats.org/drawingml/2006/chart" xmlns:a="http://schemas.openxmlformats.org/drawingml/2006/main" xmlns:dgm="http://schemas.openxmlformats.org/drawingml/2006/diagram" xmlns:dsp="http://schemas.microsoft.com/office/drawing/2008/diagram" xmlns:p="http://schemas.openxmlformats.org/presentationml/2006/main">
+  <p:cSld>
+    <p:spTree>
+      <p:nvGrpSpPr>
+        <p:cNvPr id="1" name=""/>
+        <p:cNvGrpSpPr/>
+        <p:nvPr/>
+      </p:nvGrpSpPr>
+      <p:grpSpPr>
+        <a:xfrm>
+          <a:off x="0" y="0"/>
+          <a:ext cx="0" cy="0"/>
+          <a:chOff x="0" y="0"/>
+          <a:chExt cx="0" cy="0"/>
+        </a:xfrm>
+      </p:grpSpPr>
+    </p:spTree>
+  </p:cSld>
+  <p:clrMapOvr>
+    <a:masterClrMapping/>
+  </p:clrMapOvr>
+  <mc:AlternateContent xmlns:mc="http://schemas.openxmlformats.org/markup-compatibility/2006">
+    <mc:Choice xmlns:p14="http://schemas.microsoft.com/office/powerpoint/2010/main" Requires="p14">
+      <p:transition xmlns:mc="http://schemas.openxmlformats.org/markup-compatibility/2006" xmlns:p14="http://schemas.microsoft.com/office/powerpoint/2010/main" mc:Ignorable="p14" p14:dur="500"/>
+    </mc:Choice>
+    <mc:Fallback>
+      <p:transition/>
+    </mc:Fallback>
+  </mc:AlternateContent>
+</p:sld>
+</file>
+
+<file path=ppt/slides/slide7.xml><?xml version="1.0" encoding="utf-8"?>
 <p:sld xmlns:r="http://schemas.openxmlformats.org/officeDocument/2006/relationships" xmlns:c="http://schemas.openxmlformats.org/drawingml/2006/chart" xmlns:a="http://schemas.openxmlformats.org/drawingml/2006/main" xmlns:dgm="http://schemas.openxmlformats.org/drawingml/2006/diagram" xmlns:dsp="http://schemas.microsoft.com/office/drawing/2008/diagram" xmlns:p="http://schemas.openxmlformats.org/presentationml/2006/main">
   <p:cSld>
     <p:spTree>
@@ -5352,7 +5714,7 @@
 </p:sld>
 </file>
 
-<file path=ppt/slides/slide7.xml><?xml version="1.0" encoding="utf-8"?>
+<file path=ppt/slides/slide8.xml><?xml version="1.0" encoding="utf-8"?>
 <p:sld xmlns:r="http://schemas.openxmlformats.org/officeDocument/2006/relationships" xmlns:c="http://schemas.openxmlformats.org/drawingml/2006/chart" xmlns:a="http://schemas.openxmlformats.org/drawingml/2006/main" xmlns:dgm="http://schemas.openxmlformats.org/drawingml/2006/diagram" xmlns:dsp="http://schemas.microsoft.com/office/drawing/2008/diagram" xmlns:p="http://schemas.openxmlformats.org/presentationml/2006/main">
   <p:cSld>
     <p:spTree>
